--- a/Firmware/BasicFirmare.pptx
+++ b/Firmware/BasicFirmare.pptx
@@ -11106,17 +11106,16 @@
           <a:p>
             <a:pPr algn="l"/>
             <a:r>
+              <a:rPr lang="en-US" sz="2500" dirty="0" err="1">
+                <a:latin typeface="+mn-lt"/>
+              </a:rPr>
+              <a:t>nigel.tavendale</a:t>
+            </a:r>
+            <a:r>
               <a:rPr lang="en-US" sz="2500" dirty="0">
                 <a:latin typeface="+mn-lt"/>
-                <a:hlinkClick r:id="rId5">
-                  <a:extLst>
-                    <a:ext uri="{A12FA001-AC4F-418D-AE19-62706E023703}">
-                      <ahyp:hlinkClr xmlns:ahyp="http://schemas.microsoft.com/office/drawing/2018/hyperlinkcolor" val="tx"/>
-                    </a:ext>
-                  </a:extLst>
-                </a:hlinkClick>
-              </a:rPr>
-              <a:t>nigel.tavendale@allthingssyslog.com</a:t>
+              </a:rPr>
+              <a:t> @ allthingssyslog.com</a:t>
             </a:r>
           </a:p>
           <a:p>
@@ -11124,25 +11123,15 @@
             <a:r>
               <a:rPr lang="en-US" sz="2500" dirty="0">
                 <a:latin typeface="+mn-lt"/>
+              </a:rPr>
+              <a:t>www.allthingssyslog.com</a:t>
+            </a:r>
+          </a:p>
+          <a:p>
+            <a:pPr algn="l"/>
+            <a:r>
+              <a:rPr lang="en-US" sz="2500" dirty="0">
                 <a:hlinkClick r:id="rId5">
-                  <a:extLst>
-                    <a:ext uri="{A12FA001-AC4F-418D-AE19-62706E023703}">
-                      <ahyp:hlinkClr xmlns:ahyp="http://schemas.microsoft.com/office/drawing/2018/hyperlinkcolor" val="tx"/>
-                    </a:ext>
-                  </a:extLst>
-                </a:hlinkClick>
-              </a:rPr>
-              <a:t>www.allthingssyslog.com</a:t>
-            </a:r>
-            <a:endParaRPr lang="en-US" sz="2500" dirty="0">
-              <a:latin typeface="+mn-lt"/>
-            </a:endParaRPr>
-          </a:p>
-          <a:p>
-            <a:pPr algn="l"/>
-            <a:r>
-              <a:rPr lang="en-US" sz="2500" dirty="0">
-                <a:hlinkClick r:id="rId6">
                   <a:extLst>
                     <a:ext uri="{A12FA001-AC4F-418D-AE19-62706E023703}">
                       <ahyp:hlinkClr xmlns:ahyp="http://schemas.microsoft.com/office/drawing/2018/hyperlinkcolor" val="tx"/>
@@ -11171,7 +11160,7 @@
           <p:nvPr/>
         </p:nvPicPr>
         <p:blipFill>
-          <a:blip r:embed="rId7"/>
+          <a:blip r:embed="rId6"/>
           <a:stretch>
             <a:fillRect/>
           </a:stretch>
@@ -11387,7 +11376,7 @@
                   <a:srgbClr val="3333CC"/>
                 </a:solidFill>
                 <a:latin typeface="Amazon Ember"/>
-                <a:hlinkClick r:id="rId8"/>
+                <a:hlinkClick r:id="rId7"/>
               </a:rPr>
               <a:t>https://www.fpga4student.com/</a:t>
             </a:r>
@@ -11611,7 +11600,7 @@
                   <a:srgbClr val="3333CC"/>
                 </a:solidFill>
                 <a:latin typeface="Amazon Ember"/>
-                <a:hlinkClick r:id="rId9"/>
+                <a:hlinkClick r:id="rId8"/>
               </a:rPr>
               <a:t>https://www.digelent.com/</a:t>
             </a:r>
